--- a/Labs/homework11.pptx
+++ b/Labs/homework11.pptx
@@ -5050,31 +5050,28 @@
               </a:spcBef>
             </a:pPr>
             <a:r>
-              <a:rPr dirty="0">
-                <a:solidFill>
-                  <a:srgbClr val="FFFFFF"/>
-                </a:solidFill>
-              </a:rPr>
-              <a:t>案例分析：崩坏学</a:t>
-            </a:r>
-            <a:r>
-              <a:rPr spc="-20" dirty="0">
-                <a:solidFill>
-                  <a:srgbClr val="FFFFFF"/>
-                </a:solidFill>
-              </a:rPr>
-              <a:t>园</a:t>
-            </a:r>
-            <a:r>
-              <a:rPr spc="-345" dirty="0">
-                <a:solidFill>
-                  <a:srgbClr val="FFFFFF"/>
-                </a:solidFill>
-                <a:latin typeface="Verdana"/>
-                <a:cs typeface="Verdana"/>
-              </a:rPr>
-              <a:t>2</a:t>
-            </a:r>
+              <a:rPr lang="zh-CN" altLang="en-US" dirty="0">
+                <a:solidFill>
+                  <a:srgbClr val="FFFFFF"/>
+                </a:solidFill>
+              </a:rPr>
+              <a:t>游戏</a:t>
+            </a:r>
+            <a:r>
+              <a:rPr dirty="0" smtClean="0">
+                <a:solidFill>
+                  <a:srgbClr val="FFFFFF"/>
+                </a:solidFill>
+              </a:rPr>
+              <a:t>分析：</a:t>
+            </a:r>
+            <a:endParaRPr spc="-345" dirty="0">
+              <a:solidFill>
+                <a:srgbClr val="FFFFFF"/>
+              </a:solidFill>
+              <a:latin typeface="Verdana"/>
+              <a:cs typeface="Verdana"/>
+            </a:endParaRPr>
           </a:p>
         </p:txBody>
       </p:sp>
